--- a/Project Documents/Group 2.pptx
+++ b/Project Documents/Group 2.pptx
@@ -305,7 +305,7 @@
           <a:p>
             <a:fld id="{9641E2DA-9F45-4E7E-8BBE-296D79E0F445}" type="datetimeFigureOut">
               <a:rPr lang="en-US" smtClean="0"/>
-              <a:t>10/8/2019</a:t>
+              <a:t>10/15/2019</a:t>
             </a:fld>
             <a:endParaRPr lang="en-US"/>
           </a:p>
@@ -580,7 +580,7 @@
           <a:p>
             <a:fld id="{9641E2DA-9F45-4E7E-8BBE-296D79E0F445}" type="datetimeFigureOut">
               <a:rPr lang="en-US" smtClean="0"/>
-              <a:t>10/8/2019</a:t>
+              <a:t>10/15/2019</a:t>
             </a:fld>
             <a:endParaRPr lang="en-US"/>
           </a:p>
@@ -774,7 +774,7 @@
           <a:p>
             <a:fld id="{9641E2DA-9F45-4E7E-8BBE-296D79E0F445}" type="datetimeFigureOut">
               <a:rPr lang="en-US" smtClean="0"/>
-              <a:t>10/8/2019</a:t>
+              <a:t>10/15/2019</a:t>
             </a:fld>
             <a:endParaRPr lang="en-US"/>
           </a:p>
@@ -1047,7 +1047,7 @@
           <a:p>
             <a:fld id="{9641E2DA-9F45-4E7E-8BBE-296D79E0F445}" type="datetimeFigureOut">
               <a:rPr lang="en-US" smtClean="0"/>
-              <a:t>10/8/2019</a:t>
+              <a:t>10/15/2019</a:t>
             </a:fld>
             <a:endParaRPr lang="en-US"/>
           </a:p>
@@ -1388,7 +1388,7 @@
           <a:p>
             <a:fld id="{9641E2DA-9F45-4E7E-8BBE-296D79E0F445}" type="datetimeFigureOut">
               <a:rPr lang="en-US" smtClean="0"/>
-              <a:t>10/8/2019</a:t>
+              <a:t>10/15/2019</a:t>
             </a:fld>
             <a:endParaRPr lang="en-US"/>
           </a:p>
@@ -2011,7 +2011,7 @@
           <a:p>
             <a:fld id="{9641E2DA-9F45-4E7E-8BBE-296D79E0F445}" type="datetimeFigureOut">
               <a:rPr lang="en-US" smtClean="0"/>
-              <a:t>10/8/2019</a:t>
+              <a:t>10/15/2019</a:t>
             </a:fld>
             <a:endParaRPr lang="en-US"/>
           </a:p>
@@ -2871,7 +2871,7 @@
           <a:p>
             <a:fld id="{9641E2DA-9F45-4E7E-8BBE-296D79E0F445}" type="datetimeFigureOut">
               <a:rPr lang="en-US" smtClean="0"/>
-              <a:t>10/8/2019</a:t>
+              <a:t>10/15/2019</a:t>
             </a:fld>
             <a:endParaRPr lang="en-US"/>
           </a:p>
@@ -3041,7 +3041,7 @@
           <a:p>
             <a:fld id="{9641E2DA-9F45-4E7E-8BBE-296D79E0F445}" type="datetimeFigureOut">
               <a:rPr lang="en-US" smtClean="0"/>
-              <a:t>10/8/2019</a:t>
+              <a:t>10/15/2019</a:t>
             </a:fld>
             <a:endParaRPr lang="en-US"/>
           </a:p>
@@ -3221,7 +3221,7 @@
           <a:p>
             <a:fld id="{9641E2DA-9F45-4E7E-8BBE-296D79E0F445}" type="datetimeFigureOut">
               <a:rPr lang="en-US" smtClean="0"/>
-              <a:t>10/8/2019</a:t>
+              <a:t>10/15/2019</a:t>
             </a:fld>
             <a:endParaRPr lang="en-US"/>
           </a:p>
@@ -3391,7 +3391,7 @@
           <a:p>
             <a:fld id="{9641E2DA-9F45-4E7E-8BBE-296D79E0F445}" type="datetimeFigureOut">
               <a:rPr lang="en-US" smtClean="0"/>
-              <a:t>10/8/2019</a:t>
+              <a:t>10/15/2019</a:t>
             </a:fld>
             <a:endParaRPr lang="en-US"/>
           </a:p>
@@ -3638,7 +3638,7 @@
           <a:p>
             <a:fld id="{9641E2DA-9F45-4E7E-8BBE-296D79E0F445}" type="datetimeFigureOut">
               <a:rPr lang="en-US" smtClean="0"/>
-              <a:t>10/8/2019</a:t>
+              <a:t>10/15/2019</a:t>
             </a:fld>
             <a:endParaRPr lang="en-US"/>
           </a:p>
@@ -3930,7 +3930,7 @@
           <a:p>
             <a:fld id="{9641E2DA-9F45-4E7E-8BBE-296D79E0F445}" type="datetimeFigureOut">
               <a:rPr lang="en-US" smtClean="0"/>
-              <a:t>10/8/2019</a:t>
+              <a:t>10/15/2019</a:t>
             </a:fld>
             <a:endParaRPr lang="en-US"/>
           </a:p>
@@ -4374,7 +4374,7 @@
           <a:p>
             <a:fld id="{9641E2DA-9F45-4E7E-8BBE-296D79E0F445}" type="datetimeFigureOut">
               <a:rPr lang="en-US" smtClean="0"/>
-              <a:t>10/8/2019</a:t>
+              <a:t>10/15/2019</a:t>
             </a:fld>
             <a:endParaRPr lang="en-US"/>
           </a:p>
@@ -4492,7 +4492,7 @@
           <a:p>
             <a:fld id="{9641E2DA-9F45-4E7E-8BBE-296D79E0F445}" type="datetimeFigureOut">
               <a:rPr lang="en-US" smtClean="0"/>
-              <a:t>10/8/2019</a:t>
+              <a:t>10/15/2019</a:t>
             </a:fld>
             <a:endParaRPr lang="en-US"/>
           </a:p>
@@ -4587,7 +4587,7 @@
           <a:p>
             <a:fld id="{9641E2DA-9F45-4E7E-8BBE-296D79E0F445}" type="datetimeFigureOut">
               <a:rPr lang="en-US" smtClean="0"/>
-              <a:t>10/8/2019</a:t>
+              <a:t>10/15/2019</a:t>
             </a:fld>
             <a:endParaRPr lang="en-US"/>
           </a:p>
@@ -4866,7 +4866,7 @@
           <a:p>
             <a:fld id="{9641E2DA-9F45-4E7E-8BBE-296D79E0F445}" type="datetimeFigureOut">
               <a:rPr lang="en-US" smtClean="0"/>
-              <a:t>10/8/2019</a:t>
+              <a:t>10/15/2019</a:t>
             </a:fld>
             <a:endParaRPr lang="en-US"/>
           </a:p>
@@ -5141,7 +5141,7 @@
           <a:p>
             <a:fld id="{9641E2DA-9F45-4E7E-8BBE-296D79E0F445}" type="datetimeFigureOut">
               <a:rPr lang="en-US" smtClean="0"/>
-              <a:t>10/8/2019</a:t>
+              <a:t>10/15/2019</a:t>
             </a:fld>
             <a:endParaRPr lang="en-US"/>
           </a:p>
@@ -5570,7 +5570,7 @@
           <a:p>
             <a:fld id="{9641E2DA-9F45-4E7E-8BBE-296D79E0F445}" type="datetimeFigureOut">
               <a:rPr lang="en-US" smtClean="0"/>
-              <a:t>10/8/2019</a:t>
+              <a:t>10/15/2019</a:t>
             </a:fld>
             <a:endParaRPr lang="en-US"/>
           </a:p>
@@ -6223,15 +6223,7 @@
           <a:p>
             <a:r>
               <a:rPr lang="en-US" dirty="0" smtClean="0"/>
-              <a:t>Team Members Roles and </a:t>
-            </a:r>
-            <a:r>
-              <a:rPr lang="en-US" dirty="0" smtClean="0"/>
-              <a:t>Responsibilities</a:t>
-            </a:r>
-            <a:r>
-              <a:rPr lang="en-US" dirty="0" smtClean="0"/>
-              <a:t>	</a:t>
+              <a:t>Team Members Roles and Responsibilities	</a:t>
             </a:r>
             <a:endParaRPr lang="en-US" dirty="0"/>
           </a:p>
@@ -6261,11 +6253,7 @@
           <a:p>
             <a:r>
               <a:rPr lang="en-US" dirty="0" smtClean="0"/>
-              <a:t>Krysta Valenzia – Coordinator, Requirements, HLA Diagram, Meetings/Updates from </a:t>
-            </a:r>
-            <a:r>
-              <a:rPr lang="en-US" dirty="0" smtClean="0"/>
-              <a:t>Professor</a:t>
+              <a:t>Krysta Valenzia – Coordinator, Requirements, HLA Diagram, Meetings/Updates from Professor</a:t>
             </a:r>
           </a:p>
           <a:p>
@@ -6274,7 +6262,6 @@
               <a:rPr lang="en-US" dirty="0" smtClean="0"/>
               <a:t>HTML/CSS Programmer</a:t>
             </a:r>
-            <a:endParaRPr lang="en-US" dirty="0" smtClean="0"/>
           </a:p>
           <a:p>
             <a:r>
@@ -6291,11 +6278,7 @@
             </a:r>
             <a:r>
               <a:rPr lang="en-US" dirty="0" smtClean="0"/>
-              <a:t> – Documenter, </a:t>
-            </a:r>
-            <a:r>
-              <a:rPr lang="en-US" dirty="0" smtClean="0"/>
-              <a:t>Use Cases, Requirements, Diagrams (HLA, Sequence, Class and Interface), Task List</a:t>
+              <a:t> – Documenter, Use Cases, Requirements, Diagrams (HLA, Sequence, Class and Interface), Task List</a:t>
             </a:r>
           </a:p>
           <a:p>
@@ -6304,16 +6287,11 @@
               <a:rPr lang="en-US" dirty="0" smtClean="0"/>
               <a:t>Java Programmer</a:t>
             </a:r>
-            <a:endParaRPr lang="en-US" dirty="0" smtClean="0"/>
           </a:p>
           <a:p>
             <a:r>
               <a:rPr lang="en-US" dirty="0" smtClean="0"/>
-              <a:t>Max Moore </a:t>
-            </a:r>
-            <a:r>
-              <a:rPr lang="en-US" dirty="0" smtClean="0"/>
-              <a:t>– Created Repository</a:t>
+              <a:t>Max Moore – Created Repository</a:t>
             </a:r>
           </a:p>
           <a:p>
@@ -6322,7 +6300,6 @@
               <a:rPr lang="en-US" dirty="0" smtClean="0"/>
               <a:t>Java Programmer, Snapchat API</a:t>
             </a:r>
-            <a:endParaRPr lang="en-US" dirty="0" smtClean="0"/>
           </a:p>
           <a:p>
             <a:r>
@@ -6335,11 +6312,7 @@
             </a:r>
             <a:r>
               <a:rPr lang="en-US" dirty="0" smtClean="0"/>
-              <a:t> – </a:t>
-            </a:r>
-            <a:r>
-              <a:rPr lang="en-US" dirty="0" smtClean="0"/>
-              <a:t>Use Cases, Requirements, Login Template</a:t>
+              <a:t> – Use Cases, Requirements, Login Template</a:t>
             </a:r>
           </a:p>
           <a:p>
@@ -6348,16 +6321,11 @@
               <a:rPr lang="en-US" dirty="0" smtClean="0"/>
               <a:t>Game Programmer </a:t>
             </a:r>
-            <a:endParaRPr lang="en-US" dirty="0" smtClean="0"/>
           </a:p>
           <a:p>
             <a:r>
               <a:rPr lang="en-US" dirty="0" smtClean="0"/>
-              <a:t>Angina </a:t>
-            </a:r>
-            <a:r>
-              <a:rPr lang="en-US" dirty="0" smtClean="0"/>
-              <a:t>Shrestha – Use Cases, Requirements </a:t>
+              <a:t>Angina Shrestha – Use Cases, Requirements </a:t>
             </a:r>
           </a:p>
           <a:p>
@@ -6366,7 +6334,6 @@
               <a:rPr lang="en-US" dirty="0" smtClean="0"/>
               <a:t>HTML/CSS Programmer</a:t>
             </a:r>
-            <a:endParaRPr lang="en-US" dirty="0" smtClean="0"/>
           </a:p>
           <a:p>
             <a:r>
@@ -6388,16 +6355,11 @@
               <a:rPr lang="en-US" dirty="0" smtClean="0"/>
               <a:t>Game License, Database Design</a:t>
             </a:r>
-            <a:endParaRPr lang="en-US" dirty="0" smtClean="0"/>
           </a:p>
           <a:p>
             <a:r>
               <a:rPr lang="en-US" dirty="0" smtClean="0"/>
-              <a:t>Kenny </a:t>
-            </a:r>
-            <a:r>
-              <a:rPr lang="en-US" dirty="0" smtClean="0"/>
-              <a:t>Vu – Use Cases, Class Diagram</a:t>
+              <a:t>Kenny Vu – Use Cases, Class Diagram</a:t>
             </a:r>
           </a:p>
           <a:p>
@@ -6551,11 +6513,7 @@
           <a:p>
             <a:r>
               <a:rPr lang="en-US" dirty="0" smtClean="0"/>
-              <a:t>Social Media: Trying to </a:t>
-            </a:r>
-            <a:r>
-              <a:rPr lang="en-US" dirty="0" smtClean="0"/>
-              <a:t>find Snapchat API</a:t>
+              <a:t>Social Media: Trying to find Snapchat API</a:t>
             </a:r>
           </a:p>
           <a:p>
@@ -6944,7 +6902,6 @@
               <a:rPr lang="en-US" dirty="0" smtClean="0"/>
               <a:t>Learning new technologies (HTML, REST API)</a:t>
             </a:r>
-            <a:endParaRPr lang="en-US" dirty="0" smtClean="0"/>
           </a:p>
           <a:p>
             <a:r>

--- a/Project Documents/Group 2.pptx
+++ b/Project Documents/Group 2.pptx
@@ -11,8 +11,10 @@
     <p:sldId id="261" r:id="rId5"/>
     <p:sldId id="264" r:id="rId6"/>
     <p:sldId id="265" r:id="rId7"/>
-    <p:sldId id="263" r:id="rId8"/>
-    <p:sldId id="258" r:id="rId9"/>
+    <p:sldId id="266" r:id="rId8"/>
+    <p:sldId id="267" r:id="rId9"/>
+    <p:sldId id="263" r:id="rId10"/>
+    <p:sldId id="258" r:id="rId11"/>
   </p:sldIdLst>
   <p:sldSz cx="12192000" cy="6858000"/>
   <p:notesSz cx="6858000" cy="9144000"/>
@@ -161,7 +163,7 @@
           </a:lstStyle>
           <a:p>
             <a:r>
-              <a:rPr lang="en-US" smtClean="0"/>
+              <a:rPr lang="en-US"/>
               <a:t>Click to edit Master title style</a:t>
             </a:r>
             <a:endParaRPr lang="en-US" dirty="0"/>
@@ -281,7 +283,7 @@
           </a:lstStyle>
           <a:p>
             <a:r>
-              <a:rPr lang="en-US" smtClean="0"/>
+              <a:rPr lang="en-US"/>
               <a:t>Click to edit Master subtitle style</a:t>
             </a:r>
             <a:endParaRPr lang="en-US" dirty="0"/>
@@ -410,7 +412,7 @@
           </a:lstStyle>
           <a:p>
             <a:r>
-              <a:rPr lang="en-US" smtClean="0"/>
+              <a:rPr lang="en-US"/>
               <a:t>Click to edit Master title style</a:t>
             </a:r>
             <a:endParaRPr lang="en-US" dirty="0"/>
@@ -489,7 +491,7 @@
           </a:lstStyle>
           <a:p>
             <a:r>
-              <a:rPr lang="en-US" smtClean="0"/>
+              <a:rPr lang="en-US"/>
               <a:t>Click icon to add picture</a:t>
             </a:r>
             <a:endParaRPr lang="en-US" dirty="0"/>
@@ -557,7 +559,7 @@
           <a:p>
             <a:pPr lvl="0"/>
             <a:r>
-              <a:rPr lang="en-US" smtClean="0"/>
+              <a:rPr lang="en-US"/>
               <a:t>Edit Master text styles</a:t>
             </a:r>
           </a:p>
@@ -683,7 +685,7 @@
           </a:lstStyle>
           <a:p>
             <a:r>
-              <a:rPr lang="en-US" smtClean="0"/>
+              <a:rPr lang="en-US"/>
               <a:t>Click to edit Master title style</a:t>
             </a:r>
             <a:endParaRPr lang="en-US" dirty="0"/>
@@ -751,7 +753,7 @@
           <a:p>
             <a:pPr lvl="0"/>
             <a:r>
-              <a:rPr lang="en-US" smtClean="0"/>
+              <a:rPr lang="en-US"/>
               <a:t>Edit Master text styles</a:t>
             </a:r>
           </a:p>
@@ -877,7 +879,7 @@
           </a:lstStyle>
           <a:p>
             <a:r>
-              <a:rPr lang="en-US" smtClean="0"/>
+              <a:rPr lang="en-US"/>
               <a:t>Click to edit Master title style</a:t>
             </a:r>
             <a:endParaRPr lang="en-US" dirty="0"/>
@@ -957,7 +959,7 @@
               <a:buNone/>
             </a:pPr>
             <a:r>
-              <a:rPr lang="en-US" smtClean="0"/>
+              <a:rPr lang="en-US"/>
               <a:t>Edit Master text styles</a:t>
             </a:r>
           </a:p>
@@ -1024,7 +1026,7 @@
           <a:p>
             <a:pPr lvl="0"/>
             <a:r>
-              <a:rPr lang="en-US" smtClean="0"/>
+              <a:rPr lang="en-US"/>
               <a:t>Edit Master text styles</a:t>
             </a:r>
           </a:p>
@@ -1244,7 +1246,7 @@
           </a:lstStyle>
           <a:p>
             <a:r>
-              <a:rPr lang="en-US" smtClean="0"/>
+              <a:rPr lang="en-US"/>
               <a:t>Click to edit Master title style</a:t>
             </a:r>
             <a:endParaRPr lang="en-US" dirty="0"/>
@@ -1365,7 +1367,7 @@
           <a:p>
             <a:pPr lvl="0"/>
             <a:r>
-              <a:rPr lang="en-US" smtClean="0"/>
+              <a:rPr lang="en-US"/>
               <a:t>Edit Master text styles</a:t>
             </a:r>
           </a:p>
@@ -1486,7 +1488,7 @@
           </a:lstStyle>
           <a:p>
             <a:r>
-              <a:rPr lang="en-US" smtClean="0"/>
+              <a:rPr lang="en-US"/>
               <a:t>Click to edit Master title style</a:t>
             </a:r>
             <a:endParaRPr lang="en-US" dirty="0"/>
@@ -1561,7 +1563,7 @@
           <a:p>
             <a:pPr lvl="0"/>
             <a:r>
-              <a:rPr lang="en-US" smtClean="0"/>
+              <a:rPr lang="en-US"/>
               <a:t>Edit Master text styles</a:t>
             </a:r>
           </a:p>
@@ -1628,7 +1630,7 @@
           <a:p>
             <a:pPr lvl="0"/>
             <a:r>
-              <a:rPr lang="en-US" smtClean="0"/>
+              <a:rPr lang="en-US"/>
               <a:t>Edit Master text styles</a:t>
             </a:r>
           </a:p>
@@ -1702,7 +1704,7 @@
           <a:p>
             <a:pPr lvl="0"/>
             <a:r>
-              <a:rPr lang="en-US" smtClean="0"/>
+              <a:rPr lang="en-US"/>
               <a:t>Edit Master text styles</a:t>
             </a:r>
           </a:p>
@@ -1769,7 +1771,7 @@
           <a:p>
             <a:pPr lvl="0"/>
             <a:r>
-              <a:rPr lang="en-US" smtClean="0"/>
+              <a:rPr lang="en-US"/>
               <a:t>Edit Master text styles</a:t>
             </a:r>
           </a:p>
@@ -1843,7 +1845,7 @@
           <a:p>
             <a:pPr lvl="0"/>
             <a:r>
-              <a:rPr lang="en-US" smtClean="0"/>
+              <a:rPr lang="en-US"/>
               <a:t>Edit Master text styles</a:t>
             </a:r>
           </a:p>
@@ -1910,7 +1912,7 @@
           <a:p>
             <a:pPr lvl="0"/>
             <a:r>
-              <a:rPr lang="en-US" smtClean="0"/>
+              <a:rPr lang="en-US"/>
               <a:t>Edit Master text styles</a:t>
             </a:r>
           </a:p>
@@ -2109,7 +2111,7 @@
           </a:lstStyle>
           <a:p>
             <a:r>
-              <a:rPr lang="en-US" smtClean="0"/>
+              <a:rPr lang="en-US"/>
               <a:t>Click to edit Master title style</a:t>
             </a:r>
             <a:endParaRPr lang="en-US" dirty="0"/>
@@ -2184,7 +2186,7 @@
           <a:p>
             <a:pPr lvl="0"/>
             <a:r>
-              <a:rPr lang="en-US" smtClean="0"/>
+              <a:rPr lang="en-US"/>
               <a:t>Edit Master text styles</a:t>
             </a:r>
           </a:p>
@@ -2262,7 +2264,7 @@
           </a:lstStyle>
           <a:p>
             <a:r>
-              <a:rPr lang="en-US" smtClean="0"/>
+              <a:rPr lang="en-US"/>
               <a:t>Click icon to add picture</a:t>
             </a:r>
             <a:endParaRPr lang="en-US" dirty="0"/>
@@ -2330,7 +2332,7 @@
           <a:p>
             <a:pPr lvl="0"/>
             <a:r>
-              <a:rPr lang="en-US" smtClean="0"/>
+              <a:rPr lang="en-US"/>
               <a:t>Edit Master text styles</a:t>
             </a:r>
           </a:p>
@@ -2404,7 +2406,7 @@
           <a:p>
             <a:pPr lvl="0"/>
             <a:r>
-              <a:rPr lang="en-US" smtClean="0"/>
+              <a:rPr lang="en-US"/>
               <a:t>Edit Master text styles</a:t>
             </a:r>
           </a:p>
@@ -2482,7 +2484,7 @@
           </a:lstStyle>
           <a:p>
             <a:r>
-              <a:rPr lang="en-US" smtClean="0"/>
+              <a:rPr lang="en-US"/>
               <a:t>Click icon to add picture</a:t>
             </a:r>
             <a:endParaRPr lang="en-US" dirty="0"/>
@@ -2550,7 +2552,7 @@
           <a:p>
             <a:pPr lvl="0"/>
             <a:r>
-              <a:rPr lang="en-US" smtClean="0"/>
+              <a:rPr lang="en-US"/>
               <a:t>Edit Master text styles</a:t>
             </a:r>
           </a:p>
@@ -2624,7 +2626,7 @@
           <a:p>
             <a:pPr lvl="0"/>
             <a:r>
-              <a:rPr lang="en-US" smtClean="0"/>
+              <a:rPr lang="en-US"/>
               <a:t>Edit Master text styles</a:t>
             </a:r>
           </a:p>
@@ -2702,7 +2704,7 @@
           </a:lstStyle>
           <a:p>
             <a:r>
-              <a:rPr lang="en-US" smtClean="0"/>
+              <a:rPr lang="en-US"/>
               <a:t>Click icon to add picture</a:t>
             </a:r>
             <a:endParaRPr lang="en-US" dirty="0"/>
@@ -2770,7 +2772,7 @@
           <a:p>
             <a:pPr lvl="0"/>
             <a:r>
-              <a:rPr lang="en-US" smtClean="0"/>
+              <a:rPr lang="en-US"/>
               <a:t>Edit Master text styles</a:t>
             </a:r>
           </a:p>
@@ -2965,7 +2967,7 @@
           <a:lstStyle/>
           <a:p>
             <a:r>
-              <a:rPr lang="en-US" smtClean="0"/>
+              <a:rPr lang="en-US"/>
               <a:t>Click to edit Master title style</a:t>
             </a:r>
             <a:endParaRPr lang="en-US" dirty="0"/>
@@ -2989,35 +2991,35 @@
           <a:p>
             <a:pPr lvl="0"/>
             <a:r>
-              <a:rPr lang="en-US" smtClean="0"/>
+              <a:rPr lang="en-US"/>
               <a:t>Edit Master text styles</a:t>
             </a:r>
           </a:p>
           <a:p>
             <a:pPr lvl="1"/>
             <a:r>
-              <a:rPr lang="en-US" smtClean="0"/>
+              <a:rPr lang="en-US"/>
               <a:t>Second level</a:t>
             </a:r>
           </a:p>
           <a:p>
             <a:pPr lvl="2"/>
             <a:r>
-              <a:rPr lang="en-US" smtClean="0"/>
+              <a:rPr lang="en-US"/>
               <a:t>Third level</a:t>
             </a:r>
           </a:p>
           <a:p>
             <a:pPr lvl="3"/>
             <a:r>
-              <a:rPr lang="en-US" smtClean="0"/>
+              <a:rPr lang="en-US"/>
               <a:t>Fourth level</a:t>
             </a:r>
           </a:p>
           <a:p>
             <a:pPr lvl="4"/>
             <a:r>
-              <a:rPr lang="en-US" smtClean="0"/>
+              <a:rPr lang="en-US"/>
               <a:t>Fifth level</a:t>
             </a:r>
             <a:endParaRPr lang="en-US" dirty="0"/>
@@ -3140,7 +3142,7 @@
           <a:lstStyle/>
           <a:p>
             <a:r>
-              <a:rPr lang="en-US" smtClean="0"/>
+              <a:rPr lang="en-US"/>
               <a:t>Click to edit Master title style</a:t>
             </a:r>
             <a:endParaRPr lang="en-US" dirty="0"/>
@@ -3169,35 +3171,35 @@
           <a:p>
             <a:pPr lvl="0"/>
             <a:r>
-              <a:rPr lang="en-US" smtClean="0"/>
+              <a:rPr lang="en-US"/>
               <a:t>Edit Master text styles</a:t>
             </a:r>
           </a:p>
           <a:p>
             <a:pPr lvl="1"/>
             <a:r>
-              <a:rPr lang="en-US" smtClean="0"/>
+              <a:rPr lang="en-US"/>
               <a:t>Second level</a:t>
             </a:r>
           </a:p>
           <a:p>
             <a:pPr lvl="2"/>
             <a:r>
-              <a:rPr lang="en-US" smtClean="0"/>
+              <a:rPr lang="en-US"/>
               <a:t>Third level</a:t>
             </a:r>
           </a:p>
           <a:p>
             <a:pPr lvl="3"/>
             <a:r>
-              <a:rPr lang="en-US" smtClean="0"/>
+              <a:rPr lang="en-US"/>
               <a:t>Fourth level</a:t>
             </a:r>
           </a:p>
           <a:p>
             <a:pPr lvl="4"/>
             <a:r>
-              <a:rPr lang="en-US" smtClean="0"/>
+              <a:rPr lang="en-US"/>
               <a:t>Fifth level</a:t>
             </a:r>
             <a:endParaRPr lang="en-US" dirty="0"/>
@@ -3315,7 +3317,7 @@
           <a:lstStyle/>
           <a:p>
             <a:r>
-              <a:rPr lang="en-US" smtClean="0"/>
+              <a:rPr lang="en-US"/>
               <a:t>Click to edit Master title style</a:t>
             </a:r>
             <a:endParaRPr lang="en-US" dirty="0"/>
@@ -3339,35 +3341,35 @@
           <a:p>
             <a:pPr lvl="0"/>
             <a:r>
-              <a:rPr lang="en-US" smtClean="0"/>
+              <a:rPr lang="en-US"/>
               <a:t>Edit Master text styles</a:t>
             </a:r>
           </a:p>
           <a:p>
             <a:pPr lvl="1"/>
             <a:r>
-              <a:rPr lang="en-US" smtClean="0"/>
+              <a:rPr lang="en-US"/>
               <a:t>Second level</a:t>
             </a:r>
           </a:p>
           <a:p>
             <a:pPr lvl="2"/>
             <a:r>
-              <a:rPr lang="en-US" smtClean="0"/>
+              <a:rPr lang="en-US"/>
               <a:t>Third level</a:t>
             </a:r>
           </a:p>
           <a:p>
             <a:pPr lvl="3"/>
             <a:r>
-              <a:rPr lang="en-US" smtClean="0"/>
+              <a:rPr lang="en-US"/>
               <a:t>Fourth level</a:t>
             </a:r>
           </a:p>
           <a:p>
             <a:pPr lvl="4"/>
             <a:r>
-              <a:rPr lang="en-US" smtClean="0"/>
+              <a:rPr lang="en-US"/>
               <a:t>Fifth level</a:t>
             </a:r>
             <a:endParaRPr lang="en-US" dirty="0"/>
@@ -3494,7 +3496,7 @@
           </a:lstStyle>
           <a:p>
             <a:r>
-              <a:rPr lang="en-US" smtClean="0"/>
+              <a:rPr lang="en-US"/>
               <a:t>Click to edit Master title style</a:t>
             </a:r>
             <a:endParaRPr lang="en-US" dirty="0"/>
@@ -3615,7 +3617,7 @@
           <a:p>
             <a:pPr lvl="0"/>
             <a:r>
-              <a:rPr lang="en-US" smtClean="0"/>
+              <a:rPr lang="en-US"/>
               <a:t>Edit Master text styles</a:t>
             </a:r>
           </a:p>
@@ -3732,7 +3734,7 @@
           <a:lstStyle/>
           <a:p>
             <a:r>
-              <a:rPr lang="en-US" smtClean="0"/>
+              <a:rPr lang="en-US"/>
               <a:t>Click to edit Master title style</a:t>
             </a:r>
             <a:endParaRPr lang="en-US" dirty="0"/>
@@ -3791,35 +3793,35 @@
           <a:p>
             <a:pPr lvl="0"/>
             <a:r>
-              <a:rPr lang="en-US" smtClean="0"/>
+              <a:rPr lang="en-US"/>
               <a:t>Edit Master text styles</a:t>
             </a:r>
           </a:p>
           <a:p>
             <a:pPr lvl="1"/>
             <a:r>
-              <a:rPr lang="en-US" smtClean="0"/>
+              <a:rPr lang="en-US"/>
               <a:t>Second level</a:t>
             </a:r>
           </a:p>
           <a:p>
             <a:pPr lvl="2"/>
             <a:r>
-              <a:rPr lang="en-US" smtClean="0"/>
+              <a:rPr lang="en-US"/>
               <a:t>Third level</a:t>
             </a:r>
           </a:p>
           <a:p>
             <a:pPr lvl="3"/>
             <a:r>
-              <a:rPr lang="en-US" smtClean="0"/>
+              <a:rPr lang="en-US"/>
               <a:t>Fourth level</a:t>
             </a:r>
           </a:p>
           <a:p>
             <a:pPr lvl="4"/>
             <a:r>
-              <a:rPr lang="en-US" smtClean="0"/>
+              <a:rPr lang="en-US"/>
               <a:t>Fifth level</a:t>
             </a:r>
             <a:endParaRPr lang="en-US" dirty="0"/>
@@ -3878,35 +3880,35 @@
           <a:p>
             <a:pPr lvl="0"/>
             <a:r>
-              <a:rPr lang="en-US" smtClean="0"/>
+              <a:rPr lang="en-US"/>
               <a:t>Edit Master text styles</a:t>
             </a:r>
           </a:p>
           <a:p>
             <a:pPr lvl="1"/>
             <a:r>
-              <a:rPr lang="en-US" smtClean="0"/>
+              <a:rPr lang="en-US"/>
               <a:t>Second level</a:t>
             </a:r>
           </a:p>
           <a:p>
             <a:pPr lvl="2"/>
             <a:r>
-              <a:rPr lang="en-US" smtClean="0"/>
+              <a:rPr lang="en-US"/>
               <a:t>Third level</a:t>
             </a:r>
           </a:p>
           <a:p>
             <a:pPr lvl="3"/>
             <a:r>
-              <a:rPr lang="en-US" smtClean="0"/>
+              <a:rPr lang="en-US"/>
               <a:t>Fourth level</a:t>
             </a:r>
           </a:p>
           <a:p>
             <a:pPr lvl="4"/>
             <a:r>
-              <a:rPr lang="en-US" smtClean="0"/>
+              <a:rPr lang="en-US"/>
               <a:t>Fifth level</a:t>
             </a:r>
             <a:endParaRPr lang="en-US" dirty="0"/>
@@ -4028,7 +4030,7 @@
           </a:lstStyle>
           <a:p>
             <a:r>
-              <a:rPr lang="en-US" smtClean="0"/>
+              <a:rPr lang="en-US"/>
               <a:t>Click to edit Master title style</a:t>
             </a:r>
             <a:endParaRPr lang="en-US" dirty="0"/>
@@ -4103,7 +4105,7 @@
           <a:p>
             <a:pPr lvl="0"/>
             <a:r>
-              <a:rPr lang="en-US" smtClean="0"/>
+              <a:rPr lang="en-US"/>
               <a:t>Edit Master text styles</a:t>
             </a:r>
           </a:p>
@@ -4161,35 +4163,35 @@
           <a:p>
             <a:pPr lvl="0"/>
             <a:r>
-              <a:rPr lang="en-US" smtClean="0"/>
+              <a:rPr lang="en-US"/>
               <a:t>Edit Master text styles</a:t>
             </a:r>
           </a:p>
           <a:p>
             <a:pPr lvl="1"/>
             <a:r>
-              <a:rPr lang="en-US" smtClean="0"/>
+              <a:rPr lang="en-US"/>
               <a:t>Second level</a:t>
             </a:r>
           </a:p>
           <a:p>
             <a:pPr lvl="2"/>
             <a:r>
-              <a:rPr lang="en-US" smtClean="0"/>
+              <a:rPr lang="en-US"/>
               <a:t>Third level</a:t>
             </a:r>
           </a:p>
           <a:p>
             <a:pPr lvl="3"/>
             <a:r>
-              <a:rPr lang="en-US" smtClean="0"/>
+              <a:rPr lang="en-US"/>
               <a:t>Fourth level</a:t>
             </a:r>
           </a:p>
           <a:p>
             <a:pPr lvl="4"/>
             <a:r>
-              <a:rPr lang="en-US" smtClean="0"/>
+              <a:rPr lang="en-US"/>
               <a:t>Fifth level</a:t>
             </a:r>
             <a:endParaRPr lang="en-US" dirty="0"/>
@@ -4264,7 +4266,7 @@
           <a:p>
             <a:pPr lvl="0"/>
             <a:r>
-              <a:rPr lang="en-US" smtClean="0"/>
+              <a:rPr lang="en-US"/>
               <a:t>Edit Master text styles</a:t>
             </a:r>
           </a:p>
@@ -4322,35 +4324,35 @@
           <a:p>
             <a:pPr lvl="0"/>
             <a:r>
-              <a:rPr lang="en-US" smtClean="0"/>
+              <a:rPr lang="en-US"/>
               <a:t>Edit Master text styles</a:t>
             </a:r>
           </a:p>
           <a:p>
             <a:pPr lvl="1"/>
             <a:r>
-              <a:rPr lang="en-US" smtClean="0"/>
+              <a:rPr lang="en-US"/>
               <a:t>Second level</a:t>
             </a:r>
           </a:p>
           <a:p>
             <a:pPr lvl="2"/>
             <a:r>
-              <a:rPr lang="en-US" smtClean="0"/>
+              <a:rPr lang="en-US"/>
               <a:t>Third level</a:t>
             </a:r>
           </a:p>
           <a:p>
             <a:pPr lvl="3"/>
             <a:r>
-              <a:rPr lang="en-US" smtClean="0"/>
+              <a:rPr lang="en-US"/>
               <a:t>Fourth level</a:t>
             </a:r>
           </a:p>
           <a:p>
             <a:pPr lvl="4"/>
             <a:r>
-              <a:rPr lang="en-US" smtClean="0"/>
+              <a:rPr lang="en-US"/>
               <a:t>Fifth level</a:t>
             </a:r>
             <a:endParaRPr lang="en-US" dirty="0"/>
@@ -4468,7 +4470,7 @@
           <a:lstStyle/>
           <a:p>
             <a:r>
-              <a:rPr lang="en-US" smtClean="0"/>
+              <a:rPr lang="en-US"/>
               <a:t>Click to edit Master title style</a:t>
             </a:r>
             <a:endParaRPr lang="en-US" dirty="0"/>
@@ -4690,7 +4692,7 @@
           </a:lstStyle>
           <a:p>
             <a:r>
-              <a:rPr lang="en-US" smtClean="0"/>
+              <a:rPr lang="en-US"/>
               <a:t>Click to edit Master title style</a:t>
             </a:r>
             <a:endParaRPr lang="en-US" dirty="0"/>
@@ -4749,35 +4751,35 @@
           <a:p>
             <a:pPr lvl="0"/>
             <a:r>
-              <a:rPr lang="en-US" smtClean="0"/>
+              <a:rPr lang="en-US"/>
               <a:t>Edit Master text styles</a:t>
             </a:r>
           </a:p>
           <a:p>
             <a:pPr lvl="1"/>
             <a:r>
-              <a:rPr lang="en-US" smtClean="0"/>
+              <a:rPr lang="en-US"/>
               <a:t>Second level</a:t>
             </a:r>
           </a:p>
           <a:p>
             <a:pPr lvl="2"/>
             <a:r>
-              <a:rPr lang="en-US" smtClean="0"/>
+              <a:rPr lang="en-US"/>
               <a:t>Third level</a:t>
             </a:r>
           </a:p>
           <a:p>
             <a:pPr lvl="3"/>
             <a:r>
-              <a:rPr lang="en-US" smtClean="0"/>
+              <a:rPr lang="en-US"/>
               <a:t>Fourth level</a:t>
             </a:r>
           </a:p>
           <a:p>
             <a:pPr lvl="4"/>
             <a:r>
-              <a:rPr lang="en-US" smtClean="0"/>
+              <a:rPr lang="en-US"/>
               <a:t>Fifth level</a:t>
             </a:r>
             <a:endParaRPr lang="en-US" dirty="0"/>
@@ -4843,7 +4845,7 @@
           <a:p>
             <a:pPr lvl="0"/>
             <a:r>
-              <a:rPr lang="en-US" smtClean="0"/>
+              <a:rPr lang="en-US"/>
               <a:t>Edit Master text styles</a:t>
             </a:r>
           </a:p>
@@ -4971,7 +4973,7 @@
           </a:lstStyle>
           <a:p>
             <a:r>
-              <a:rPr lang="en-US" smtClean="0"/>
+              <a:rPr lang="en-US"/>
               <a:t>Click to edit Master title style</a:t>
             </a:r>
             <a:endParaRPr lang="en-US" dirty="0"/>
@@ -5050,7 +5052,7 @@
           </a:lstStyle>
           <a:p>
             <a:r>
-              <a:rPr lang="en-US" smtClean="0"/>
+              <a:rPr lang="en-US"/>
               <a:t>Click icon to add picture</a:t>
             </a:r>
             <a:endParaRPr lang="en-US" dirty="0"/>
@@ -5118,7 +5120,7 @@
           <a:p>
             <a:pPr lvl="0"/>
             <a:r>
-              <a:rPr lang="en-US" smtClean="0"/>
+              <a:rPr lang="en-US"/>
               <a:t>Edit Master text styles</a:t>
             </a:r>
           </a:p>
@@ -5465,7 +5467,7 @@
           <a:lstStyle/>
           <a:p>
             <a:r>
-              <a:rPr lang="en-US" smtClean="0"/>
+              <a:rPr lang="en-US"/>
               <a:t>Click to edit Master title style</a:t>
             </a:r>
             <a:endParaRPr lang="en-US" dirty="0"/>
@@ -5499,35 +5501,35 @@
           <a:p>
             <a:pPr lvl="0"/>
             <a:r>
-              <a:rPr lang="en-US" smtClean="0"/>
+              <a:rPr lang="en-US"/>
               <a:t>Edit Master text styles</a:t>
             </a:r>
           </a:p>
           <a:p>
             <a:pPr lvl="1"/>
             <a:r>
-              <a:rPr lang="en-US" smtClean="0"/>
+              <a:rPr lang="en-US"/>
               <a:t>Second level</a:t>
             </a:r>
           </a:p>
           <a:p>
             <a:pPr lvl="2"/>
             <a:r>
-              <a:rPr lang="en-US" smtClean="0"/>
+              <a:rPr lang="en-US"/>
               <a:t>Third level</a:t>
             </a:r>
           </a:p>
           <a:p>
             <a:pPr lvl="3"/>
             <a:r>
-              <a:rPr lang="en-US" smtClean="0"/>
+              <a:rPr lang="en-US"/>
               <a:t>Fourth level</a:t>
             </a:r>
           </a:p>
           <a:p>
             <a:pPr lvl="4"/>
             <a:r>
-              <a:rPr lang="en-US" smtClean="0"/>
+              <a:rPr lang="en-US"/>
               <a:t>Fifth level</a:t>
             </a:r>
             <a:endParaRPr lang="en-US" dirty="0"/>
@@ -6114,10 +6116,9 @@
           <a:lstStyle/>
           <a:p>
             <a:r>
-              <a:rPr lang="en-US" dirty="0" smtClean="0"/>
+              <a:rPr lang="en-US" dirty="0"/>
               <a:t>Group 2</a:t>
             </a:r>
-            <a:endParaRPr lang="en-US" dirty="0"/>
           </a:p>
         </p:txBody>
       </p:sp>
@@ -6137,42 +6138,41 @@
           <a:lstStyle/>
           <a:p>
             <a:r>
-              <a:rPr lang="en-US" dirty="0" smtClean="0"/>
+              <a:rPr lang="en-US" dirty="0"/>
               <a:t>Krysta Valenzia, </a:t>
             </a:r>
             <a:r>
-              <a:rPr lang="en-US" dirty="0" err="1" smtClean="0"/>
+              <a:rPr lang="en-US" dirty="0" err="1"/>
               <a:t>Druv</a:t>
             </a:r>
             <a:r>
-              <a:rPr lang="en-US" dirty="0" smtClean="0"/>
+              <a:rPr lang="en-US" dirty="0"/>
               <a:t> </a:t>
             </a:r>
             <a:r>
-              <a:rPr lang="en-US" dirty="0" err="1" smtClean="0"/>
+              <a:rPr lang="en-US" dirty="0" err="1"/>
               <a:t>Narain</a:t>
             </a:r>
             <a:r>
-              <a:rPr lang="en-US" dirty="0" smtClean="0"/>
+              <a:rPr lang="en-US" dirty="0"/>
               <a:t>, Max Moore, Ola </a:t>
             </a:r>
             <a:r>
-              <a:rPr lang="en-US" dirty="0" err="1" smtClean="0"/>
+              <a:rPr lang="en-US" dirty="0" err="1"/>
               <a:t>Ajala</a:t>
             </a:r>
             <a:r>
-              <a:rPr lang="en-US" dirty="0" smtClean="0"/>
+              <a:rPr lang="en-US" dirty="0"/>
               <a:t>, Angina Shrestha, Caitlin </a:t>
             </a:r>
             <a:r>
-              <a:rPr lang="en-US" dirty="0" err="1" smtClean="0"/>
+              <a:rPr lang="en-US" dirty="0" err="1"/>
               <a:t>nanashko</a:t>
             </a:r>
             <a:r>
-              <a:rPr lang="en-US" dirty="0" smtClean="0"/>
+              <a:rPr lang="en-US" dirty="0"/>
               <a:t>, Kenny vu</a:t>
             </a:r>
-            <a:endParaRPr lang="en-US" dirty="0"/>
           </a:p>
         </p:txBody>
       </p:sp>
@@ -6180,6 +6180,110 @@
     <p:extLst>
       <p:ext uri="{BB962C8B-B14F-4D97-AF65-F5344CB8AC3E}">
         <p14:creationId xmlns:p14="http://schemas.microsoft.com/office/powerpoint/2010/main" val="4276351643"/>
+      </p:ext>
+    </p:extLst>
+  </p:cSld>
+  <p:clrMapOvr>
+    <a:masterClrMapping/>
+  </p:clrMapOvr>
+</p:sld>
+</file>
+
+<file path=ppt/slides/slide10.xml><?xml version="1.0" encoding="utf-8"?>
+<p:sld xmlns:a="http://schemas.openxmlformats.org/drawingml/2006/main" xmlns:r="http://schemas.openxmlformats.org/officeDocument/2006/relationships" xmlns:p="http://schemas.openxmlformats.org/presentationml/2006/main">
+  <p:cSld>
+    <p:spTree>
+      <p:nvGrpSpPr>
+        <p:cNvPr id="1" name=""/>
+        <p:cNvGrpSpPr/>
+        <p:nvPr/>
+      </p:nvGrpSpPr>
+      <p:grpSpPr>
+        <a:xfrm>
+          <a:off x="0" y="0"/>
+          <a:ext cx="0" cy="0"/>
+          <a:chOff x="0" y="0"/>
+          <a:chExt cx="0" cy="0"/>
+        </a:xfrm>
+      </p:grpSpPr>
+      <p:sp>
+        <p:nvSpPr>
+          <p:cNvPr id="2" name="Title 1"/>
+          <p:cNvSpPr>
+            <a:spLocks noGrp="1"/>
+          </p:cNvSpPr>
+          <p:nvPr>
+            <p:ph type="title"/>
+          </p:nvPr>
+        </p:nvSpPr>
+        <p:spPr/>
+        <p:txBody>
+          <a:bodyPr/>
+          <a:lstStyle/>
+          <a:p>
+            <a:r>
+              <a:rPr lang="en-US" dirty="0"/>
+              <a:t>Moving Forward</a:t>
+            </a:r>
+          </a:p>
+        </p:txBody>
+      </p:sp>
+      <p:sp>
+        <p:nvSpPr>
+          <p:cNvPr id="3" name="Content Placeholder 2"/>
+          <p:cNvSpPr>
+            <a:spLocks noGrp="1"/>
+          </p:cNvSpPr>
+          <p:nvPr>
+            <p:ph idx="1"/>
+          </p:nvPr>
+        </p:nvSpPr>
+        <p:spPr/>
+        <p:txBody>
+          <a:bodyPr/>
+          <a:lstStyle/>
+          <a:p>
+            <a:r>
+              <a:rPr lang="en-US" dirty="0"/>
+              <a:t>Building code</a:t>
+            </a:r>
+          </a:p>
+          <a:p>
+            <a:r>
+              <a:rPr lang="en-US" dirty="0"/>
+              <a:t>Developing Skeleton for Testing</a:t>
+            </a:r>
+          </a:p>
+          <a:p>
+            <a:r>
+              <a:rPr lang="en-US" dirty="0"/>
+              <a:t>Planning Code Review Process</a:t>
+            </a:r>
+          </a:p>
+          <a:p>
+            <a:r>
+              <a:rPr lang="en-US" dirty="0"/>
+              <a:t>Learning new technologies (HTML, REST API)</a:t>
+            </a:r>
+          </a:p>
+          <a:p>
+            <a:r>
+              <a:rPr lang="en-US" dirty="0"/>
+              <a:t>WebEx10 Host</a:t>
+            </a:r>
+          </a:p>
+          <a:p>
+            <a:r>
+              <a:rPr lang="en-US" dirty="0"/>
+              <a:t>Exam Questions</a:t>
+            </a:r>
+          </a:p>
+        </p:txBody>
+      </p:sp>
+    </p:spTree>
+    <p:extLst>
+      <p:ext uri="{BB962C8B-B14F-4D97-AF65-F5344CB8AC3E}">
+        <p14:creationId xmlns:p14="http://schemas.microsoft.com/office/powerpoint/2010/main" val="4268826728"/>
       </p:ext>
     </p:extLst>
   </p:cSld>
@@ -6222,10 +6326,9 @@
           <a:lstStyle/>
           <a:p>
             <a:r>
-              <a:rPr lang="en-US" dirty="0" smtClean="0"/>
+              <a:rPr lang="en-US" dirty="0"/>
               <a:t>Team Members Roles and Responsibilities	</a:t>
             </a:r>
-            <a:endParaRPr lang="en-US" dirty="0"/>
           </a:p>
         </p:txBody>
       </p:sp>
@@ -6252,123 +6355,122 @@
           <a:lstStyle/>
           <a:p>
             <a:r>
-              <a:rPr lang="en-US" dirty="0" smtClean="0"/>
+              <a:rPr lang="en-US" dirty="0"/>
               <a:t>Krysta Valenzia – Coordinator, Requirements, HLA Diagram, Meetings/Updates from Professor</a:t>
             </a:r>
           </a:p>
           <a:p>
             <a:pPr lvl="1"/>
             <a:r>
-              <a:rPr lang="en-US" dirty="0" smtClean="0"/>
+              <a:rPr lang="en-US" dirty="0"/>
               <a:t>HTML/CSS Programmer</a:t>
             </a:r>
           </a:p>
           <a:p>
             <a:r>
-              <a:rPr lang="en-US" dirty="0" err="1" smtClean="0"/>
+              <a:rPr lang="en-US" dirty="0" err="1"/>
               <a:t>Druv</a:t>
             </a:r>
             <a:r>
-              <a:rPr lang="en-US" dirty="0" smtClean="0"/>
+              <a:rPr lang="en-US" dirty="0"/>
               <a:t> </a:t>
             </a:r>
             <a:r>
-              <a:rPr lang="en-US" dirty="0" err="1" smtClean="0"/>
+              <a:rPr lang="en-US" dirty="0" err="1"/>
               <a:t>Narain</a:t>
             </a:r>
             <a:r>
-              <a:rPr lang="en-US" dirty="0" smtClean="0"/>
+              <a:rPr lang="en-US" dirty="0"/>
               <a:t> – Documenter, Use Cases, Requirements, Diagrams (HLA, Sequence, Class and Interface), Task List</a:t>
             </a:r>
           </a:p>
           <a:p>
             <a:pPr lvl="1"/>
             <a:r>
-              <a:rPr lang="en-US" dirty="0" smtClean="0"/>
+              <a:rPr lang="en-US" dirty="0"/>
               <a:t>Java Programmer</a:t>
             </a:r>
           </a:p>
           <a:p>
             <a:r>
-              <a:rPr lang="en-US" dirty="0" smtClean="0"/>
+              <a:rPr lang="en-US" dirty="0"/>
               <a:t>Max Moore – Created Repository</a:t>
             </a:r>
           </a:p>
           <a:p>
             <a:pPr lvl="1"/>
             <a:r>
-              <a:rPr lang="en-US" dirty="0" smtClean="0"/>
+              <a:rPr lang="en-US" dirty="0"/>
               <a:t>Java Programmer, Snapchat API</a:t>
             </a:r>
           </a:p>
           <a:p>
             <a:r>
-              <a:rPr lang="en-US" dirty="0" smtClean="0"/>
+              <a:rPr lang="en-US" dirty="0"/>
               <a:t>Ola </a:t>
             </a:r>
             <a:r>
-              <a:rPr lang="en-US" dirty="0" err="1" smtClean="0"/>
+              <a:rPr lang="en-US" dirty="0" err="1"/>
               <a:t>Ajala</a:t>
             </a:r>
             <a:r>
-              <a:rPr lang="en-US" dirty="0" smtClean="0"/>
+              <a:rPr lang="en-US" dirty="0"/>
               <a:t> – Use Cases, Requirements, Login Template</a:t>
             </a:r>
           </a:p>
           <a:p>
             <a:pPr lvl="1"/>
             <a:r>
-              <a:rPr lang="en-US" dirty="0" smtClean="0"/>
+              <a:rPr lang="en-US" dirty="0"/>
               <a:t>Game Programmer </a:t>
             </a:r>
           </a:p>
           <a:p>
             <a:r>
-              <a:rPr lang="en-US" dirty="0" smtClean="0"/>
+              <a:rPr lang="en-US" dirty="0"/>
               <a:t>Angina Shrestha – Use Cases, Requirements </a:t>
             </a:r>
           </a:p>
           <a:p>
             <a:pPr lvl="1"/>
             <a:r>
-              <a:rPr lang="en-US" dirty="0" smtClean="0"/>
+              <a:rPr lang="en-US" dirty="0"/>
               <a:t>HTML/CSS Programmer</a:t>
             </a:r>
           </a:p>
           <a:p>
             <a:r>
-              <a:rPr lang="en-US" dirty="0" smtClean="0"/>
+              <a:rPr lang="en-US" dirty="0"/>
               <a:t>Caitlin </a:t>
             </a:r>
             <a:r>
-              <a:rPr lang="en-US" dirty="0" err="1" smtClean="0"/>
+              <a:rPr lang="en-US" dirty="0" err="1"/>
               <a:t>Nanashko</a:t>
             </a:r>
             <a:r>
-              <a:rPr lang="en-US" dirty="0" smtClean="0"/>
+              <a:rPr lang="en-US" dirty="0"/>
               <a:t> – Use Cases, Requirements</a:t>
             </a:r>
           </a:p>
           <a:p>
             <a:pPr lvl="1"/>
             <a:r>
-              <a:rPr lang="en-US" dirty="0" smtClean="0"/>
+              <a:rPr lang="en-US" dirty="0"/>
               <a:t>Game License, Database Design</a:t>
             </a:r>
           </a:p>
           <a:p>
             <a:r>
-              <a:rPr lang="en-US" dirty="0" smtClean="0"/>
+              <a:rPr lang="en-US" dirty="0"/>
               <a:t>Kenny Vu – Use Cases, Class Diagram</a:t>
             </a:r>
           </a:p>
           <a:p>
             <a:pPr lvl="1"/>
             <a:r>
-              <a:rPr lang="en-US" dirty="0" smtClean="0"/>
+              <a:rPr lang="en-US" dirty="0"/>
               <a:t>Game Programmer</a:t>
             </a:r>
-            <a:endParaRPr lang="en-US" dirty="0"/>
           </a:p>
         </p:txBody>
       </p:sp>
@@ -6418,10 +6520,9 @@
           <a:lstStyle/>
           <a:p>
             <a:r>
-              <a:rPr lang="en-US" dirty="0" smtClean="0"/>
+              <a:rPr lang="en-US" dirty="0"/>
               <a:t>Summary of Weekly Deliverables (so far)</a:t>
             </a:r>
-            <a:endParaRPr lang="en-US" dirty="0"/>
           </a:p>
         </p:txBody>
       </p:sp>
@@ -6471,10 +6572,9 @@
           <a:lstStyle/>
           <a:p>
             <a:r>
-              <a:rPr lang="en-US" dirty="0" smtClean="0"/>
+              <a:rPr lang="en-US" dirty="0"/>
               <a:t>Game Specs</a:t>
             </a:r>
-            <a:endParaRPr lang="en-US" dirty="0"/>
           </a:p>
         </p:txBody>
       </p:sp>
@@ -6494,25 +6594,25 @@
           <a:lstStyle/>
           <a:p>
             <a:r>
-              <a:rPr lang="en-US" dirty="0" smtClean="0"/>
+              <a:rPr lang="en-US" dirty="0"/>
               <a:t>Web Browser Based</a:t>
             </a:r>
           </a:p>
           <a:p>
             <a:r>
-              <a:rPr lang="en-US" dirty="0" smtClean="0"/>
+              <a:rPr lang="en-US" dirty="0"/>
               <a:t>Integrate exam questions with the game </a:t>
             </a:r>
           </a:p>
           <a:p>
             <a:r>
-              <a:rPr lang="en-US" dirty="0" smtClean="0"/>
+              <a:rPr lang="en-US" dirty="0"/>
               <a:t>**Screenshot of game from Caitlin**</a:t>
             </a:r>
           </a:p>
           <a:p>
             <a:r>
-              <a:rPr lang="en-US" dirty="0" smtClean="0"/>
+              <a:rPr lang="en-US" dirty="0"/>
               <a:t>Social Media: Trying to find Snapchat API</a:t>
             </a:r>
           </a:p>
@@ -6567,51 +6667,50 @@
           <a:lstStyle/>
           <a:p>
             <a:r>
-              <a:rPr lang="en-US" dirty="0" smtClean="0"/>
+              <a:rPr lang="en-US" dirty="0"/>
               <a:t>Group Collaboration</a:t>
             </a:r>
+          </a:p>
+        </p:txBody>
+      </p:sp>
+      <p:sp>
+        <p:nvSpPr>
+          <p:cNvPr id="3" name="Content Placeholder 2"/>
+          <p:cNvSpPr>
+            <a:spLocks noGrp="1"/>
+          </p:cNvSpPr>
+          <p:nvPr>
+            <p:ph idx="1"/>
+          </p:nvPr>
+        </p:nvSpPr>
+        <p:spPr/>
+        <p:txBody>
+          <a:bodyPr/>
+          <a:lstStyle/>
+          <a:p>
+            <a:r>
+              <a:rPr lang="en-US" dirty="0" err="1"/>
+              <a:t>GroupMe</a:t>
+            </a:r>
             <a:endParaRPr lang="en-US" dirty="0"/>
           </a:p>
-        </p:txBody>
-      </p:sp>
-      <p:sp>
-        <p:nvSpPr>
-          <p:cNvPr id="3" name="Content Placeholder 2"/>
-          <p:cNvSpPr>
-            <a:spLocks noGrp="1"/>
-          </p:cNvSpPr>
-          <p:nvPr>
-            <p:ph idx="1"/>
-          </p:nvPr>
-        </p:nvSpPr>
-        <p:spPr/>
-        <p:txBody>
-          <a:bodyPr/>
-          <a:lstStyle/>
-          <a:p>
-            <a:r>
-              <a:rPr lang="en-US" dirty="0" err="1" smtClean="0"/>
-              <a:t>GroupMe</a:t>
-            </a:r>
-            <a:endParaRPr lang="en-US" dirty="0" smtClean="0"/>
-          </a:p>
-          <a:p>
-            <a:r>
-              <a:rPr lang="en-US" dirty="0" err="1" smtClean="0"/>
+          <a:p>
+            <a:r>
+              <a:rPr lang="en-US" dirty="0" err="1"/>
               <a:t>GoogleDocs</a:t>
             </a:r>
-            <a:endParaRPr lang="en-US" dirty="0" smtClean="0"/>
-          </a:p>
-          <a:p>
-            <a:r>
-              <a:rPr lang="en-US" dirty="0" err="1" smtClean="0"/>
+            <a:endParaRPr lang="en-US" dirty="0"/>
+          </a:p>
+          <a:p>
+            <a:r>
+              <a:rPr lang="en-US" dirty="0" err="1"/>
               <a:t>Github</a:t>
             </a:r>
-            <a:endParaRPr lang="en-US" dirty="0" smtClean="0"/>
-          </a:p>
-          <a:p>
-            <a:r>
-              <a:rPr lang="en-US" dirty="0" smtClean="0"/>
+            <a:endParaRPr lang="en-US" dirty="0"/>
+          </a:p>
+          <a:p>
+            <a:r>
+              <a:rPr lang="en-US" dirty="0"/>
               <a:t>Weekly Meetings (online and in person)</a:t>
             </a:r>
           </a:p>
@@ -6663,53 +6762,52 @@
           <a:lstStyle/>
           <a:p>
             <a:r>
-              <a:rPr lang="en-US" dirty="0" smtClean="0"/>
+              <a:rPr lang="en-US" dirty="0"/>
               <a:t>Challenges Faced</a:t>
             </a:r>
+          </a:p>
+        </p:txBody>
+      </p:sp>
+      <p:sp>
+        <p:nvSpPr>
+          <p:cNvPr id="3" name="Content Placeholder 2"/>
+          <p:cNvSpPr>
+            <a:spLocks noGrp="1"/>
+          </p:cNvSpPr>
+          <p:nvPr>
+            <p:ph idx="1"/>
+          </p:nvPr>
+        </p:nvSpPr>
+        <p:spPr/>
+        <p:txBody>
+          <a:bodyPr/>
+          <a:lstStyle/>
+          <a:p>
+            <a:r>
+              <a:rPr lang="en-US" dirty="0"/>
+              <a:t>EVERYTHING</a:t>
+            </a:r>
+          </a:p>
+          <a:p>
+            <a:r>
+              <a:rPr lang="en-US" dirty="0"/>
+              <a:t>Learning web architecture</a:t>
+            </a:r>
+          </a:p>
+          <a:p>
+            <a:r>
+              <a:rPr lang="en-US" dirty="0"/>
+              <a:t>Integrating multiple programming languages</a:t>
+            </a:r>
+          </a:p>
+          <a:p>
+            <a:r>
+              <a:rPr lang="en-US" dirty="0"/>
+              <a:t>Creating Repositories </a:t>
+            </a:r>
+          </a:p>
+          <a:p>
             <a:endParaRPr lang="en-US" dirty="0"/>
-          </a:p>
-        </p:txBody>
-      </p:sp>
-      <p:sp>
-        <p:nvSpPr>
-          <p:cNvPr id="3" name="Content Placeholder 2"/>
-          <p:cNvSpPr>
-            <a:spLocks noGrp="1"/>
-          </p:cNvSpPr>
-          <p:nvPr>
-            <p:ph idx="1"/>
-          </p:nvPr>
-        </p:nvSpPr>
-        <p:spPr/>
-        <p:txBody>
-          <a:bodyPr/>
-          <a:lstStyle/>
-          <a:p>
-            <a:r>
-              <a:rPr lang="en-US" dirty="0" smtClean="0"/>
-              <a:t>EVERYTHING</a:t>
-            </a:r>
-          </a:p>
-          <a:p>
-            <a:r>
-              <a:rPr lang="en-US" dirty="0" smtClean="0"/>
-              <a:t>Learning web architecture</a:t>
-            </a:r>
-          </a:p>
-          <a:p>
-            <a:r>
-              <a:rPr lang="en-US" dirty="0" smtClean="0"/>
-              <a:t>Integrating multiple programming languages</a:t>
-            </a:r>
-          </a:p>
-          <a:p>
-            <a:r>
-              <a:rPr lang="en-US" dirty="0" smtClean="0"/>
-              <a:t>Creating Repositories </a:t>
-            </a:r>
-          </a:p>
-          <a:p>
-            <a:endParaRPr lang="en-US" dirty="0" smtClean="0"/>
           </a:p>
           <a:p>
             <a:endParaRPr lang="en-US" dirty="0"/>
@@ -6748,7 +6846,13 @@
       </p:grpSpPr>
       <p:sp>
         <p:nvSpPr>
-          <p:cNvPr id="2" name="Title 1"/>
+          <p:cNvPr id="2" name="Title 1">
+            <a:extLst>
+              <a:ext uri="{FF2B5EF4-FFF2-40B4-BE49-F238E27FC236}">
+                <a16:creationId xmlns:a16="http://schemas.microsoft.com/office/drawing/2014/main" id="{6538FD04-0D25-4CE1-AFC9-3975F72C9B25}"/>
+              </a:ext>
+            </a:extLst>
+          </p:cNvPr>
           <p:cNvSpPr>
             <a:spLocks noGrp="1"/>
           </p:cNvSpPr>
@@ -6762,60 +6866,161 @@
           <a:lstStyle/>
           <a:p>
             <a:r>
-              <a:rPr lang="en-US" dirty="0" smtClean="0"/>
-              <a:t>Overview of Technologies</a:t>
-            </a:r>
+              <a:rPr lang="en-US" dirty="0"/>
+              <a:t>Web Host</a:t>
+            </a:r>
+          </a:p>
+        </p:txBody>
+      </p:sp>
+      <p:sp>
+        <p:nvSpPr>
+          <p:cNvPr id="3" name="Content Placeholder 2">
+            <a:extLst>
+              <a:ext uri="{FF2B5EF4-FFF2-40B4-BE49-F238E27FC236}">
+                <a16:creationId xmlns:a16="http://schemas.microsoft.com/office/drawing/2014/main" id="{B9FD7A3A-5B9A-4970-90EB-95F774FAD531}"/>
+              </a:ext>
+            </a:extLst>
+          </p:cNvPr>
+          <p:cNvSpPr>
+            <a:spLocks noGrp="1"/>
+          </p:cNvSpPr>
+          <p:nvPr>
+            <p:ph idx="1"/>
+          </p:nvPr>
+        </p:nvSpPr>
+        <p:spPr>
+          <a:xfrm>
+            <a:off x="132522" y="1139687"/>
+            <a:ext cx="4821365" cy="5718313"/>
+          </a:xfrm>
+        </p:spPr>
+        <p:txBody>
+          <a:bodyPr>
+            <a:normAutofit lnSpcReduction="10000"/>
+          </a:bodyPr>
+          <a:lstStyle/>
+          <a:p>
+            <a:r>
+              <a:rPr lang="en-US" dirty="0"/>
+              <a:t>Pros:</a:t>
+            </a:r>
+          </a:p>
+          <a:p>
+            <a:pPr lvl="1"/>
+            <a:r>
+              <a:rPr lang="en-US" dirty="0"/>
+              <a:t>Free SSL certificate with all plans</a:t>
+            </a:r>
+          </a:p>
+          <a:p>
+            <a:pPr lvl="1"/>
+            <a:r>
+              <a:rPr lang="en-US" dirty="0"/>
+              <a:t>No front-end ads</a:t>
+            </a:r>
+          </a:p>
+          <a:p>
+            <a:pPr lvl="1"/>
+            <a:r>
+              <a:rPr lang="en-US" dirty="0"/>
+              <a:t>Free </a:t>
+            </a:r>
+            <a:r>
+              <a:rPr lang="en-US" dirty="0" err="1"/>
+              <a:t>CloudFlare</a:t>
+            </a:r>
+            <a:r>
+              <a:rPr lang="en-US" dirty="0"/>
+              <a:t> CDN</a:t>
+            </a:r>
+          </a:p>
+          <a:p>
+            <a:pPr lvl="1"/>
+            <a:r>
+              <a:rPr lang="en-US" dirty="0"/>
+              <a:t>10 email accounts</a:t>
+            </a:r>
+          </a:p>
+          <a:p>
+            <a:pPr lvl="1"/>
+            <a:r>
+              <a:rPr lang="en-US" dirty="0"/>
+              <a:t>1 FTP account</a:t>
+            </a:r>
+          </a:p>
+          <a:p>
+            <a:pPr lvl="1"/>
+            <a:r>
+              <a:rPr lang="en-US" dirty="0"/>
+              <a:t>Unlimited bandwidth and storage space</a:t>
+            </a:r>
+          </a:p>
+          <a:p>
+            <a:pPr lvl="1"/>
+            <a:r>
+              <a:rPr lang="en-US" dirty="0"/>
+              <a:t>400 MySQL databases.</a:t>
+            </a:r>
+          </a:p>
+          <a:p>
+            <a:r>
+              <a:rPr lang="en-US" dirty="0"/>
+              <a:t>Cons:</a:t>
+            </a:r>
+          </a:p>
+          <a:p>
+            <a:pPr lvl="1"/>
+            <a:r>
+              <a:rPr lang="en-US" dirty="0"/>
+              <a:t>What does unlimited mean?</a:t>
+            </a:r>
+          </a:p>
+          <a:p>
+            <a:pPr lvl="1"/>
+            <a:r>
+              <a:rPr lang="en-US" dirty="0"/>
+              <a:t>The penalty for non-compliance with the limitations on their “unlimited” offer is the suspension or elimination of your website and data.</a:t>
+            </a:r>
+          </a:p>
+          <a:p>
             <a:endParaRPr lang="en-US" dirty="0"/>
           </a:p>
         </p:txBody>
       </p:sp>
-      <p:sp>
-        <p:nvSpPr>
-          <p:cNvPr id="3" name="Content Placeholder 2"/>
-          <p:cNvSpPr>
-            <a:spLocks noGrp="1"/>
-          </p:cNvSpPr>
-          <p:nvPr>
-            <p:ph idx="1"/>
-          </p:nvPr>
-        </p:nvSpPr>
-        <p:spPr/>
-        <p:txBody>
-          <a:bodyPr/>
-          <a:lstStyle/>
-          <a:p>
-            <a:r>
-              <a:rPr lang="en-US" dirty="0" smtClean="0"/>
-              <a:t>WordPress – has built in solutions, will build database, has several API’s, still customizable</a:t>
-            </a:r>
-          </a:p>
-          <a:p>
-            <a:r>
-              <a:rPr lang="en-US" dirty="0" smtClean="0"/>
-              <a:t>Java – widely utilized programming language, entire group is familiar with it, game solution already built in java</a:t>
-            </a:r>
-          </a:p>
-          <a:p>
-            <a:r>
-              <a:rPr lang="en-US" dirty="0" smtClean="0"/>
-              <a:t>HTML/CSS – language of the web</a:t>
-            </a:r>
-          </a:p>
-          <a:p>
-            <a:r>
-              <a:rPr lang="en-US" dirty="0" smtClean="0"/>
-              <a:t>GitHub – simple user experience, some group members already familiar, share code easily and revert back if mistakes are made</a:t>
-            </a:r>
-          </a:p>
-          <a:p>
-            <a:endParaRPr lang="en-US" dirty="0"/>
-          </a:p>
-        </p:txBody>
-      </p:sp>
+      <p:pic>
+        <p:nvPicPr>
+          <p:cNvPr id="6" name="Picture 5">
+            <a:extLst>
+              <a:ext uri="{FF2B5EF4-FFF2-40B4-BE49-F238E27FC236}">
+                <a16:creationId xmlns:a16="http://schemas.microsoft.com/office/drawing/2014/main" id="{82790A6D-A844-4BC4-B141-5B5889FE0D88}"/>
+              </a:ext>
+            </a:extLst>
+          </p:cNvPr>
+          <p:cNvPicPr>
+            <a:picLocks noChangeAspect="1"/>
+          </p:cNvPicPr>
+          <p:nvPr/>
+        </p:nvPicPr>
+        <p:blipFill>
+          <a:blip r:embed="rId2"/>
+          <a:stretch>
+            <a:fillRect/>
+          </a:stretch>
+        </p:blipFill>
+        <p:spPr>
+          <a:xfrm>
+            <a:off x="4953887" y="1139687"/>
+            <a:ext cx="7238113" cy="5718313"/>
+          </a:xfrm>
+          <a:prstGeom prst="rect">
+            <a:avLst/>
+          </a:prstGeom>
+        </p:spPr>
+      </p:pic>
     </p:spTree>
     <p:extLst>
       <p:ext uri="{BB962C8B-B14F-4D97-AF65-F5344CB8AC3E}">
-        <p14:creationId xmlns:p14="http://schemas.microsoft.com/office/powerpoint/2010/main" val="728507342"/>
+        <p14:creationId xmlns:p14="http://schemas.microsoft.com/office/powerpoint/2010/main" val="374665361"/>
       </p:ext>
     </p:extLst>
   </p:cSld>
@@ -6844,7 +7049,13 @@
       </p:grpSpPr>
       <p:sp>
         <p:nvSpPr>
-          <p:cNvPr id="2" name="Title 1"/>
+          <p:cNvPr id="2" name="Title 1">
+            <a:extLst>
+              <a:ext uri="{FF2B5EF4-FFF2-40B4-BE49-F238E27FC236}">
+                <a16:creationId xmlns:a16="http://schemas.microsoft.com/office/drawing/2014/main" id="{476FBA27-1152-4403-9687-3BCB466CFC0D}"/>
+              </a:ext>
+            </a:extLst>
+          </p:cNvPr>
           <p:cNvSpPr>
             <a:spLocks noGrp="1"/>
           </p:cNvSpPr>
@@ -6852,22 +7063,32 @@
             <p:ph type="title"/>
           </p:nvPr>
         </p:nvSpPr>
-        <p:spPr/>
-        <p:txBody>
-          <a:bodyPr/>
-          <a:lstStyle/>
-          <a:p>
-            <a:r>
-              <a:rPr lang="en-US" dirty="0" smtClean="0"/>
-              <a:t>Moving Forward</a:t>
-            </a:r>
-            <a:endParaRPr lang="en-US" dirty="0"/>
-          </a:p>
-        </p:txBody>
-      </p:sp>
-      <p:sp>
-        <p:nvSpPr>
-          <p:cNvPr id="3" name="Content Placeholder 2"/>
+        <p:spPr>
+          <a:xfrm>
+            <a:off x="646111" y="452718"/>
+            <a:ext cx="9404723" cy="1400530"/>
+          </a:xfrm>
+        </p:spPr>
+        <p:txBody>
+          <a:bodyPr/>
+          <a:lstStyle/>
+          <a:p>
+            <a:r>
+              <a:rPr lang="en-US" dirty="0"/>
+              <a:t>Back up Web Host - Hostinger.com</a:t>
+            </a:r>
+          </a:p>
+        </p:txBody>
+      </p:sp>
+      <p:sp>
+        <p:nvSpPr>
+          <p:cNvPr id="3" name="Content Placeholder 2">
+            <a:extLst>
+              <a:ext uri="{FF2B5EF4-FFF2-40B4-BE49-F238E27FC236}">
+                <a16:creationId xmlns:a16="http://schemas.microsoft.com/office/drawing/2014/main" id="{E3580066-2891-444B-8E03-33B8D41B2818}"/>
+              </a:ext>
+            </a:extLst>
+          </p:cNvPr>
           <p:cNvSpPr>
             <a:spLocks noGrp="1"/>
           </p:cNvSpPr>
@@ -6875,53 +7096,226 @@
             <p:ph idx="1"/>
           </p:nvPr>
         </p:nvSpPr>
-        <p:spPr/>
-        <p:txBody>
-          <a:bodyPr/>
-          <a:lstStyle/>
-          <a:p>
-            <a:r>
-              <a:rPr lang="en-US" dirty="0" smtClean="0"/>
-              <a:t>Building code</a:t>
-            </a:r>
-          </a:p>
-          <a:p>
-            <a:r>
-              <a:rPr lang="en-US" dirty="0" smtClean="0"/>
-              <a:t>Developing Skeleton for Testing</a:t>
-            </a:r>
-          </a:p>
-          <a:p>
-            <a:r>
-              <a:rPr lang="en-US" dirty="0" smtClean="0"/>
-              <a:t>Planning Code Review Process</a:t>
-            </a:r>
-          </a:p>
-          <a:p>
-            <a:r>
-              <a:rPr lang="en-US" dirty="0" smtClean="0"/>
-              <a:t>Learning new technologies (HTML, REST API)</a:t>
-            </a:r>
-          </a:p>
-          <a:p>
-            <a:r>
-              <a:rPr lang="en-US" dirty="0" smtClean="0"/>
-              <a:t>Web Host, WebEx10 Host</a:t>
-            </a:r>
-          </a:p>
-          <a:p>
-            <a:r>
-              <a:rPr lang="en-US" dirty="0" smtClean="0"/>
-              <a:t>Exam Questions</a:t>
-            </a:r>
-            <a:endParaRPr lang="en-US" dirty="0"/>
-          </a:p>
-        </p:txBody>
-      </p:sp>
+        <p:spPr>
+          <a:xfrm>
+            <a:off x="231942" y="1255956"/>
+            <a:ext cx="4061761" cy="5306210"/>
+          </a:xfrm>
+        </p:spPr>
+        <p:txBody>
+          <a:bodyPr>
+            <a:normAutofit/>
+          </a:bodyPr>
+          <a:lstStyle/>
+          <a:p>
+            <a:r>
+              <a:rPr lang="en-US" dirty="0"/>
+              <a:t>Pros:</a:t>
+            </a:r>
+          </a:p>
+          <a:p>
+            <a:pPr lvl="1"/>
+            <a:r>
+              <a:rPr lang="en-US" sz="1600" dirty="0"/>
+              <a:t>1 MySQL database</a:t>
+            </a:r>
+          </a:p>
+          <a:p>
+            <a:pPr lvl="1"/>
+            <a:r>
+              <a:rPr lang="en-US" sz="1600" dirty="0"/>
+              <a:t>1 FTP user</a:t>
+            </a:r>
+          </a:p>
+          <a:p>
+            <a:pPr lvl="1"/>
+            <a:r>
+              <a:rPr lang="en-US" sz="1600" dirty="0"/>
+              <a:t>Access to their website builder</a:t>
+            </a:r>
+          </a:p>
+          <a:p>
+            <a:pPr lvl="1"/>
+            <a:r>
+              <a:rPr lang="en-US" sz="1600" dirty="0"/>
+              <a:t>One-click install of WordPress or other CMS</a:t>
+            </a:r>
+          </a:p>
+          <a:p>
+            <a:pPr lvl="1"/>
+            <a:r>
+              <a:rPr lang="en-US" sz="1600" dirty="0"/>
+              <a:t>A free domain name for 1 year</a:t>
+            </a:r>
+          </a:p>
+          <a:p>
+            <a:pPr lvl="1"/>
+            <a:r>
+              <a:rPr lang="en-US" sz="1600" dirty="0"/>
+              <a:t>24/7 customer support (seriously, it’s one of the best)</a:t>
+            </a:r>
+          </a:p>
+          <a:p>
+            <a:pPr lvl="1"/>
+            <a:r>
+              <a:rPr lang="en-US" sz="1600" dirty="0"/>
+              <a:t>100GB of Bandwidth and 10GB of Disk Space</a:t>
+            </a:r>
+          </a:p>
+          <a:p>
+            <a:pPr lvl="1"/>
+            <a:r>
+              <a:rPr lang="en-US" sz="1600" dirty="0"/>
+              <a:t>One free email account</a:t>
+            </a:r>
+          </a:p>
+          <a:p>
+            <a:r>
+              <a:rPr lang="en-US" sz="1800" dirty="0"/>
+              <a:t>Cons:</a:t>
+            </a:r>
+          </a:p>
+          <a:p>
+            <a:pPr lvl="1"/>
+            <a:r>
+              <a:rPr lang="en-US" sz="1600" dirty="0"/>
+              <a:t>Their user interface doesn’t give you access to a classic cPanel</a:t>
+            </a:r>
+          </a:p>
+        </p:txBody>
+      </p:sp>
+      <p:pic>
+        <p:nvPicPr>
+          <p:cNvPr id="10" name="Picture 9" descr="A screenshot of a cell phone&#10;&#10;Description automatically generated">
+            <a:extLst>
+              <a:ext uri="{FF2B5EF4-FFF2-40B4-BE49-F238E27FC236}">
+                <a16:creationId xmlns:a16="http://schemas.microsoft.com/office/drawing/2014/main" id="{724B392F-6706-4773-BBD9-47AA14BFF005}"/>
+              </a:ext>
+            </a:extLst>
+          </p:cNvPr>
+          <p:cNvPicPr>
+            <a:picLocks noChangeAspect="1"/>
+          </p:cNvPicPr>
+          <p:nvPr/>
+        </p:nvPicPr>
+        <p:blipFill>
+          <a:blip r:embed="rId2">
+            <a:extLst>
+              <a:ext uri="{28A0092B-C50C-407E-A947-70E740481C1C}">
+                <a14:useLocalDpi xmlns:a14="http://schemas.microsoft.com/office/drawing/2010/main" val="0"/>
+              </a:ext>
+            </a:extLst>
+          </a:blip>
+          <a:stretch>
+            <a:fillRect/>
+          </a:stretch>
+        </p:blipFill>
+        <p:spPr>
+          <a:xfrm>
+            <a:off x="6285029" y="1139687"/>
+            <a:ext cx="5906971" cy="5718313"/>
+          </a:xfrm>
+          <a:prstGeom prst="rect">
+            <a:avLst/>
+          </a:prstGeom>
+        </p:spPr>
+      </p:pic>
     </p:spTree>
     <p:extLst>
       <p:ext uri="{BB962C8B-B14F-4D97-AF65-F5344CB8AC3E}">
-        <p14:creationId xmlns:p14="http://schemas.microsoft.com/office/powerpoint/2010/main" val="4268826728"/>
+        <p14:creationId xmlns:p14="http://schemas.microsoft.com/office/powerpoint/2010/main" val="1030705041"/>
+      </p:ext>
+    </p:extLst>
+  </p:cSld>
+  <p:clrMapOvr>
+    <a:masterClrMapping/>
+  </p:clrMapOvr>
+</p:sld>
+</file>
+
+<file path=ppt/slides/slide9.xml><?xml version="1.0" encoding="utf-8"?>
+<p:sld xmlns:a="http://schemas.openxmlformats.org/drawingml/2006/main" xmlns:r="http://schemas.openxmlformats.org/officeDocument/2006/relationships" xmlns:p="http://schemas.openxmlformats.org/presentationml/2006/main">
+  <p:cSld>
+    <p:spTree>
+      <p:nvGrpSpPr>
+        <p:cNvPr id="1" name=""/>
+        <p:cNvGrpSpPr/>
+        <p:nvPr/>
+      </p:nvGrpSpPr>
+      <p:grpSpPr>
+        <a:xfrm>
+          <a:off x="0" y="0"/>
+          <a:ext cx="0" cy="0"/>
+          <a:chOff x="0" y="0"/>
+          <a:chExt cx="0" cy="0"/>
+        </a:xfrm>
+      </p:grpSpPr>
+      <p:sp>
+        <p:nvSpPr>
+          <p:cNvPr id="2" name="Title 1"/>
+          <p:cNvSpPr>
+            <a:spLocks noGrp="1"/>
+          </p:cNvSpPr>
+          <p:nvPr>
+            <p:ph type="title"/>
+          </p:nvPr>
+        </p:nvSpPr>
+        <p:spPr/>
+        <p:txBody>
+          <a:bodyPr/>
+          <a:lstStyle/>
+          <a:p>
+            <a:r>
+              <a:rPr lang="en-US" dirty="0"/>
+              <a:t>Overview of Technologies</a:t>
+            </a:r>
+          </a:p>
+        </p:txBody>
+      </p:sp>
+      <p:sp>
+        <p:nvSpPr>
+          <p:cNvPr id="3" name="Content Placeholder 2"/>
+          <p:cNvSpPr>
+            <a:spLocks noGrp="1"/>
+          </p:cNvSpPr>
+          <p:nvPr>
+            <p:ph idx="1"/>
+          </p:nvPr>
+        </p:nvSpPr>
+        <p:spPr/>
+        <p:txBody>
+          <a:bodyPr/>
+          <a:lstStyle/>
+          <a:p>
+            <a:r>
+              <a:rPr lang="en-US" dirty="0"/>
+              <a:t>WordPress – has built in solutions, will build database, has several API’s, still customizable</a:t>
+            </a:r>
+          </a:p>
+          <a:p>
+            <a:r>
+              <a:rPr lang="en-US" dirty="0"/>
+              <a:t>Java – widely utilized programming language, entire group is familiar with it, game solution already built in java</a:t>
+            </a:r>
+          </a:p>
+          <a:p>
+            <a:r>
+              <a:rPr lang="en-US" dirty="0"/>
+              <a:t>HTML/CSS – language of the web</a:t>
+            </a:r>
+          </a:p>
+          <a:p>
+            <a:r>
+              <a:rPr lang="en-US" dirty="0"/>
+              <a:t>GitHub – simple user experience, some group members already familiar, share code easily and revert back if mistakes are made</a:t>
+            </a:r>
+          </a:p>
+        </p:txBody>
+      </p:sp>
+    </p:spTree>
+    <p:extLst>
+      <p:ext uri="{BB962C8B-B14F-4D97-AF65-F5344CB8AC3E}">
+        <p14:creationId xmlns:p14="http://schemas.microsoft.com/office/powerpoint/2010/main" val="728507342"/>
       </p:ext>
     </p:extLst>
   </p:cSld>
